--- a/卒業論文/2015/島田樹/中間審査/卒論中間審査ポスター　島田樹.pptx
+++ b/卒業論文/2015/島田樹/中間審査/卒論中間審査ポスター　島田樹.pptx
@@ -208,7 +208,7 @@
           <a:p>
             <a:fld id="{5140B599-C87A-4859-9283-A97598826292}" type="datetimeFigureOut">
               <a:rPr kumimoji="1" lang="ja-JP" altLang="en-US" smtClean="0"/>
-              <a:t>2016/10/6</a:t>
+              <a:t>2016/10/10</a:t>
             </a:fld>
             <a:endParaRPr kumimoji="1" lang="ja-JP" altLang="en-US"/>
           </a:p>
@@ -973,7 +973,7 @@
           <a:p>
             <a:fld id="{4ADE0E56-B02A-4EE7-B89E-44845DFFCF82}" type="datetimeFigureOut">
               <a:rPr kumimoji="1" lang="ja-JP" altLang="en-US" smtClean="0"/>
-              <a:t>2016/10/6</a:t>
+              <a:t>2016/10/10</a:t>
             </a:fld>
             <a:endParaRPr kumimoji="1" lang="ja-JP" altLang="en-US"/>
           </a:p>
@@ -1239,7 +1239,7 @@
           <a:p>
             <a:fld id="{4ADE0E56-B02A-4EE7-B89E-44845DFFCF82}" type="datetimeFigureOut">
               <a:rPr kumimoji="1" lang="ja-JP" altLang="en-US" smtClean="0"/>
-              <a:t>2016/10/6</a:t>
+              <a:t>2016/10/10</a:t>
             </a:fld>
             <a:endParaRPr kumimoji="1" lang="ja-JP" altLang="en-US"/>
           </a:p>
@@ -1489,7 +1489,7 @@
           <a:p>
             <a:fld id="{4ADE0E56-B02A-4EE7-B89E-44845DFFCF82}" type="datetimeFigureOut">
               <a:rPr kumimoji="1" lang="ja-JP" altLang="en-US" smtClean="0"/>
-              <a:t>2016/10/6</a:t>
+              <a:t>2016/10/10</a:t>
             </a:fld>
             <a:endParaRPr kumimoji="1" lang="ja-JP" altLang="en-US"/>
           </a:p>
@@ -1797,7 +1797,7 @@
           <a:p>
             <a:fld id="{4ADE0E56-B02A-4EE7-B89E-44845DFFCF82}" type="datetimeFigureOut">
               <a:rPr kumimoji="1" lang="ja-JP" altLang="en-US" smtClean="0"/>
-              <a:t>2016/10/6</a:t>
+              <a:t>2016/10/10</a:t>
             </a:fld>
             <a:endParaRPr kumimoji="1" lang="ja-JP" altLang="en-US"/>
           </a:p>
@@ -2115,7 +2115,7 @@
           <a:p>
             <a:fld id="{4ADE0E56-B02A-4EE7-B89E-44845DFFCF82}" type="datetimeFigureOut">
               <a:rPr kumimoji="1" lang="ja-JP" altLang="en-US" smtClean="0"/>
-              <a:t>2016/10/6</a:t>
+              <a:t>2016/10/10</a:t>
             </a:fld>
             <a:endParaRPr kumimoji="1" lang="ja-JP" altLang="en-US"/>
           </a:p>
@@ -2417,7 +2417,7 @@
           <a:p>
             <a:fld id="{4ADE0E56-B02A-4EE7-B89E-44845DFFCF82}" type="datetimeFigureOut">
               <a:rPr kumimoji="1" lang="ja-JP" altLang="en-US" smtClean="0"/>
-              <a:t>2016/10/6</a:t>
+              <a:t>2016/10/10</a:t>
             </a:fld>
             <a:endParaRPr kumimoji="1" lang="ja-JP" altLang="en-US"/>
           </a:p>
@@ -2784,7 +2784,7 @@
           <a:p>
             <a:fld id="{4ADE0E56-B02A-4EE7-B89E-44845DFFCF82}" type="datetimeFigureOut">
               <a:rPr kumimoji="1" lang="ja-JP" altLang="en-US" smtClean="0"/>
-              <a:t>2016/10/6</a:t>
+              <a:t>2016/10/10</a:t>
             </a:fld>
             <a:endParaRPr kumimoji="1" lang="ja-JP" altLang="en-US"/>
           </a:p>
@@ -3002,7 +3002,7 @@
           <a:p>
             <a:fld id="{4ADE0E56-B02A-4EE7-B89E-44845DFFCF82}" type="datetimeFigureOut">
               <a:rPr kumimoji="1" lang="ja-JP" altLang="en-US" smtClean="0"/>
-              <a:t>2016/10/6</a:t>
+              <a:t>2016/10/10</a:t>
             </a:fld>
             <a:endParaRPr kumimoji="1" lang="ja-JP" altLang="en-US"/>
           </a:p>
@@ -3220,7 +3220,7 @@
           <a:p>
             <a:fld id="{4ADE0E56-B02A-4EE7-B89E-44845DFFCF82}" type="datetimeFigureOut">
               <a:rPr kumimoji="1" lang="ja-JP" altLang="en-US" smtClean="0"/>
-              <a:t>2016/10/6</a:t>
+              <a:t>2016/10/10</a:t>
             </a:fld>
             <a:endParaRPr kumimoji="1" lang="ja-JP" altLang="en-US"/>
           </a:p>
@@ -3432,7 +3432,7 @@
           <a:p>
             <a:fld id="{4ADE0E56-B02A-4EE7-B89E-44845DFFCF82}" type="datetimeFigureOut">
               <a:rPr kumimoji="1" lang="ja-JP" altLang="en-US" smtClean="0"/>
-              <a:t>2016/10/6</a:t>
+              <a:t>2016/10/10</a:t>
             </a:fld>
             <a:endParaRPr kumimoji="1" lang="ja-JP" altLang="en-US"/>
           </a:p>
@@ -3682,7 +3682,7 @@
           <a:p>
             <a:fld id="{4ADE0E56-B02A-4EE7-B89E-44845DFFCF82}" type="datetimeFigureOut">
               <a:rPr kumimoji="1" lang="ja-JP" altLang="en-US" smtClean="0"/>
-              <a:t>2016/10/6</a:t>
+              <a:t>2016/10/10</a:t>
             </a:fld>
             <a:endParaRPr kumimoji="1" lang="ja-JP" altLang="en-US"/>
           </a:p>
@@ -3993,7 +3993,7 @@
           <a:p>
             <a:fld id="{4ADE0E56-B02A-4EE7-B89E-44845DFFCF82}" type="datetimeFigureOut">
               <a:rPr kumimoji="1" lang="ja-JP" altLang="en-US" smtClean="0"/>
-              <a:t>2016/10/6</a:t>
+              <a:t>2016/10/10</a:t>
             </a:fld>
             <a:endParaRPr kumimoji="1" lang="ja-JP" altLang="en-US"/>
           </a:p>
@@ -4446,7 +4446,7 @@
           <a:p>
             <a:fld id="{4ADE0E56-B02A-4EE7-B89E-44845DFFCF82}" type="datetimeFigureOut">
               <a:rPr kumimoji="1" lang="ja-JP" altLang="en-US" smtClean="0"/>
-              <a:t>2016/10/6</a:t>
+              <a:t>2016/10/10</a:t>
             </a:fld>
             <a:endParaRPr kumimoji="1" lang="ja-JP" altLang="en-US"/>
           </a:p>
@@ -4575,7 +4575,7 @@
           <a:p>
             <a:fld id="{4ADE0E56-B02A-4EE7-B89E-44845DFFCF82}" type="datetimeFigureOut">
               <a:rPr kumimoji="1" lang="ja-JP" altLang="en-US" smtClean="0"/>
-              <a:t>2016/10/6</a:t>
+              <a:t>2016/10/10</a:t>
             </a:fld>
             <a:endParaRPr kumimoji="1" lang="ja-JP" altLang="en-US"/>
           </a:p>
@@ -4670,7 +4670,7 @@
           <a:p>
             <a:fld id="{4ADE0E56-B02A-4EE7-B89E-44845DFFCF82}" type="datetimeFigureOut">
               <a:rPr kumimoji="1" lang="ja-JP" altLang="en-US" smtClean="0"/>
-              <a:t>2016/10/6</a:t>
+              <a:t>2016/10/10</a:t>
             </a:fld>
             <a:endParaRPr kumimoji="1" lang="ja-JP" altLang="en-US"/>
           </a:p>
@@ -4957,7 +4957,7 @@
           <a:p>
             <a:fld id="{4ADE0E56-B02A-4EE7-B89E-44845DFFCF82}" type="datetimeFigureOut">
               <a:rPr kumimoji="1" lang="ja-JP" altLang="en-US" smtClean="0"/>
-              <a:t>2016/10/6</a:t>
+              <a:t>2016/10/10</a:t>
             </a:fld>
             <a:endParaRPr kumimoji="1" lang="ja-JP" altLang="en-US"/>
           </a:p>
@@ -5240,7 +5240,7 @@
           <a:p>
             <a:fld id="{4ADE0E56-B02A-4EE7-B89E-44845DFFCF82}" type="datetimeFigureOut">
               <a:rPr kumimoji="1" lang="ja-JP" altLang="en-US" smtClean="0"/>
-              <a:t>2016/10/6</a:t>
+              <a:t>2016/10/10</a:t>
             </a:fld>
             <a:endParaRPr kumimoji="1" lang="ja-JP" altLang="en-US"/>
           </a:p>
@@ -5683,7 +5683,7 @@
           <a:p>
             <a:fld id="{4ADE0E56-B02A-4EE7-B89E-44845DFFCF82}" type="datetimeFigureOut">
               <a:rPr kumimoji="1" lang="ja-JP" altLang="en-US" smtClean="0"/>
-              <a:t>2016/10/6</a:t>
+              <a:t>2016/10/10</a:t>
             </a:fld>
             <a:endParaRPr kumimoji="1" lang="ja-JP" altLang="en-US"/>
           </a:p>
@@ -6370,7 +6370,7 @@
         </p:nvSpPr>
         <p:spPr>
           <a:xfrm>
-            <a:off x="652664" y="5597085"/>
+            <a:off x="969675" y="5889271"/>
             <a:ext cx="3384376" cy="1015663"/>
           </a:xfrm>
           <a:prstGeom prst="rect">
@@ -6408,8 +6408,8 @@
         </p:nvSpPr>
         <p:spPr>
           <a:xfrm>
-            <a:off x="701086" y="6601111"/>
-            <a:ext cx="9001000" cy="4832092"/>
+            <a:off x="969675" y="7007033"/>
+            <a:ext cx="7117281" cy="4154984"/>
           </a:xfrm>
           <a:prstGeom prst="rect">
             <a:avLst/>
@@ -6423,12 +6423,12 @@
           <a:lstStyle/>
           <a:p>
             <a:r>
-              <a:rPr lang="en-US" altLang="ja-JP" sz="4400" dirty="0">
+              <a:rPr lang="ja-JP" altLang="en-US" sz="4400" dirty="0" smtClean="0">
                 <a:solidFill>
                   <a:schemeClr val="bg1"/>
                 </a:solidFill>
               </a:rPr>
-              <a:t>SNS </a:t>
+              <a:t>課題</a:t>
             </a:r>
             <a:r>
               <a:rPr lang="ja-JP" altLang="en-US" sz="4400" dirty="0">
@@ -6436,39 +6436,7 @@
                   <a:schemeClr val="bg1"/>
                 </a:solidFill>
               </a:rPr>
-              <a:t>の発達に伴いプロジェクトの</a:t>
-            </a:r>
-            <a:r>
-              <a:rPr lang="ja-JP" altLang="en-US" sz="4400" dirty="0" smtClean="0">
-                <a:solidFill>
-                  <a:schemeClr val="bg1"/>
-                </a:solidFill>
-              </a:rPr>
-              <a:t>数も</a:t>
-            </a:r>
-            <a:r>
-              <a:rPr lang="ja-JP" altLang="en-US" sz="4400" dirty="0">
-                <a:solidFill>
-                  <a:schemeClr val="bg1"/>
-                </a:solidFill>
-              </a:rPr>
-              <a:t>増加し，市場も年々増加して</a:t>
-            </a:r>
-            <a:r>
-              <a:rPr lang="ja-JP" altLang="en-US" sz="4400" dirty="0" smtClean="0">
-                <a:solidFill>
-                  <a:schemeClr val="bg1"/>
-                </a:solidFill>
-              </a:rPr>
-              <a:t>いる．</a:t>
-            </a:r>
-            <a:r>
-              <a:rPr lang="ja-JP" altLang="en-US" sz="4400" dirty="0">
-                <a:solidFill>
-                  <a:schemeClr val="bg1"/>
-                </a:solidFill>
-              </a:rPr>
-              <a:t>課題研究において，調達資金の時間変化を調査</a:t>
+              <a:t>研究において，調達資金の時間変化を調査</a:t>
             </a:r>
             <a:r>
               <a:rPr lang="ja-JP" altLang="en-US" sz="4400" dirty="0" smtClean="0">
@@ -6550,8 +6518,8 @@
         </p:nvSpPr>
         <p:spPr>
           <a:xfrm>
-            <a:off x="9889321" y="5562923"/>
-            <a:ext cx="10909424" cy="2123658"/>
+            <a:off x="8533160" y="5396977"/>
+            <a:ext cx="12749283" cy="2123658"/>
           </a:xfrm>
           <a:prstGeom prst="rect">
             <a:avLst/>
@@ -6625,8 +6593,8 @@
         </p:blipFill>
         <p:spPr>
           <a:xfrm>
-            <a:off x="9159563" y="8983432"/>
-            <a:ext cx="6038717" cy="3345616"/>
+            <a:off x="9112113" y="8641941"/>
+            <a:ext cx="5542899" cy="3070919"/>
           </a:xfrm>
           <a:prstGeom prst="rect">
             <a:avLst/>
@@ -6649,8 +6617,8 @@
         </p:blipFill>
         <p:spPr>
           <a:xfrm>
-            <a:off x="17348002" y="7068373"/>
-            <a:ext cx="2200847" cy="2194750"/>
+            <a:off x="17209806" y="6921742"/>
+            <a:ext cx="1649887" cy="1645316"/>
           </a:xfrm>
           <a:prstGeom prst="rect">
             <a:avLst/>
@@ -6673,8 +6641,8 @@
         </p:blipFill>
         <p:spPr>
           <a:xfrm>
-            <a:off x="11980292" y="7497169"/>
-            <a:ext cx="1604540" cy="1604540"/>
+            <a:off x="11304758" y="7418405"/>
+            <a:ext cx="1148653" cy="1148653"/>
           </a:xfrm>
           <a:prstGeom prst="rect">
             <a:avLst/>
@@ -6703,8 +6671,8 @@
         </p:blipFill>
         <p:spPr>
           <a:xfrm>
-            <a:off x="15198279" y="8983432"/>
-            <a:ext cx="6125391" cy="3090671"/>
+            <a:off x="14876161" y="8460806"/>
+            <a:ext cx="6317179" cy="3187441"/>
           </a:xfrm>
           <a:prstGeom prst="rect">
             <a:avLst/>
@@ -6719,8 +6687,8 @@
         </p:nvSpPr>
         <p:spPr>
           <a:xfrm>
-            <a:off x="652664" y="11583270"/>
-            <a:ext cx="3384376" cy="1015663"/>
+            <a:off x="972320" y="18187212"/>
+            <a:ext cx="3254627" cy="1015663"/>
           </a:xfrm>
           <a:prstGeom prst="rect">
             <a:avLst/>
@@ -6757,8 +6725,8 @@
         </p:nvSpPr>
         <p:spPr>
           <a:xfrm>
-            <a:off x="652664" y="12691266"/>
-            <a:ext cx="19761816" cy="1446550"/>
+            <a:off x="972320" y="19318147"/>
+            <a:ext cx="19226136" cy="1446550"/>
           </a:xfrm>
           <a:prstGeom prst="rect">
             <a:avLst/>
@@ -6811,11 +6779,6 @@
               </a:rPr>
               <a:t>する．</a:t>
             </a:r>
-            <a:endParaRPr lang="ja-JP" altLang="en-US" sz="4400" dirty="0">
-              <a:solidFill>
-                <a:schemeClr val="bg1"/>
-              </a:solidFill>
-            </a:endParaRPr>
           </a:p>
         </p:txBody>
       </p:sp>
@@ -6827,7 +6790,7 @@
         </p:nvSpPr>
         <p:spPr>
           <a:xfrm>
-            <a:off x="657624" y="14139426"/>
+            <a:off x="972320" y="21387800"/>
             <a:ext cx="3384376" cy="1015663"/>
           </a:xfrm>
           <a:prstGeom prst="rect">
@@ -6850,397 +6813,6 @@
               <a:t>研究方法</a:t>
             </a:r>
             <a:endParaRPr kumimoji="1" lang="ja-JP" altLang="en-US" dirty="0">
-              <a:solidFill>
-                <a:schemeClr val="bg1"/>
-              </a:solidFill>
-            </a:endParaRPr>
-          </a:p>
-        </p:txBody>
-      </p:sp>
-      <p:sp>
-        <p:nvSpPr>
-          <p:cNvPr id="18" name="テキスト ボックス 17"/>
-          <p:cNvSpPr txBox="1"/>
-          <p:nvPr/>
-        </p:nvSpPr>
-        <p:spPr>
-          <a:xfrm>
-            <a:off x="657624" y="15159415"/>
-            <a:ext cx="19756856" cy="3170099"/>
-          </a:xfrm>
-          <a:prstGeom prst="rect">
-            <a:avLst/>
-          </a:prstGeom>
-          <a:noFill/>
-        </p:spPr>
-        <p:txBody>
-          <a:bodyPr wrap="square" rtlCol="0">
-            <a:spAutoFit/>
-          </a:bodyPr>
-          <a:lstStyle/>
-          <a:p>
-            <a:pPr marL="742950" indent="-742950">
-              <a:buFont typeface="+mj-lt"/>
-              <a:buAutoNum type="arabicPeriod"/>
-            </a:pPr>
-            <a:r>
-              <a:rPr lang="en-US" altLang="ja-JP" sz="4000" dirty="0">
-                <a:solidFill>
-                  <a:schemeClr val="bg1"/>
-                </a:solidFill>
-              </a:rPr>
-              <a:t>READYFOR</a:t>
-            </a:r>
-            <a:r>
-              <a:rPr lang="ja-JP" altLang="en-US" sz="4000" dirty="0">
-                <a:solidFill>
-                  <a:schemeClr val="bg1"/>
-                </a:solidFill>
-              </a:rPr>
-              <a:t>と</a:t>
-            </a:r>
-            <a:r>
-              <a:rPr lang="en-US" altLang="ja-JP" sz="4000" dirty="0" err="1">
-                <a:solidFill>
-                  <a:schemeClr val="bg1"/>
-                </a:solidFill>
-              </a:rPr>
-              <a:t>Makuake</a:t>
-            </a:r>
-            <a:r>
-              <a:rPr lang="ja-JP" altLang="en-US" sz="4000" dirty="0">
-                <a:solidFill>
-                  <a:schemeClr val="bg1"/>
-                </a:solidFill>
-              </a:rPr>
-              <a:t>のプロジェクトの中から監視するプロジェクトを選定する</a:t>
-            </a:r>
-            <a:r>
-              <a:rPr lang="ja-JP" altLang="en-US" sz="4000" dirty="0" smtClean="0">
-                <a:solidFill>
-                  <a:schemeClr val="bg1"/>
-                </a:solidFill>
-              </a:rPr>
-              <a:t>．</a:t>
-            </a:r>
-            <a:endParaRPr lang="en-US" altLang="ja-JP" sz="4000" dirty="0" smtClean="0">
-              <a:solidFill>
-                <a:schemeClr val="bg1"/>
-              </a:solidFill>
-            </a:endParaRPr>
-          </a:p>
-          <a:p>
-            <a:pPr marL="742950" indent="-742950">
-              <a:buFont typeface="+mj-lt"/>
-              <a:buAutoNum type="arabicPeriod"/>
-            </a:pPr>
-            <a:r>
-              <a:rPr lang="ja-JP" altLang="en-US" sz="4000" dirty="0">
-                <a:solidFill>
-                  <a:schemeClr val="bg1"/>
-                </a:solidFill>
-              </a:rPr>
-              <a:t>毎日同じ時間にプロジェクトのウェブページを保存し</a:t>
-            </a:r>
-            <a:r>
-              <a:rPr lang="ja-JP" altLang="en-US" sz="4000" dirty="0" smtClean="0">
-                <a:solidFill>
-                  <a:schemeClr val="bg1"/>
-                </a:solidFill>
-              </a:rPr>
-              <a:t>，記録</a:t>
-            </a:r>
-            <a:r>
-              <a:rPr lang="ja-JP" altLang="en-US" sz="4000" dirty="0">
-                <a:solidFill>
-                  <a:schemeClr val="bg1"/>
-                </a:solidFill>
-              </a:rPr>
-              <a:t>する</a:t>
-            </a:r>
-            <a:r>
-              <a:rPr lang="ja-JP" altLang="en-US" sz="4000" dirty="0" smtClean="0">
-                <a:solidFill>
-                  <a:schemeClr val="bg1"/>
-                </a:solidFill>
-              </a:rPr>
-              <a:t>．</a:t>
-            </a:r>
-            <a:endParaRPr lang="en-US" altLang="ja-JP" sz="4000" dirty="0" smtClean="0">
-              <a:solidFill>
-                <a:schemeClr val="bg1"/>
-              </a:solidFill>
-            </a:endParaRPr>
-          </a:p>
-          <a:p>
-            <a:pPr marL="742950" indent="-742950">
-              <a:buFont typeface="+mj-lt"/>
-              <a:buAutoNum type="arabicPeriod"/>
-            </a:pPr>
-            <a:r>
-              <a:rPr lang="ja-JP" altLang="en-US" sz="4000" dirty="0">
-                <a:solidFill>
-                  <a:schemeClr val="bg1"/>
-                </a:solidFill>
-              </a:rPr>
-              <a:t>プロジェクトの終了までの金額の推移をグラフにする</a:t>
-            </a:r>
-            <a:r>
-              <a:rPr lang="ja-JP" altLang="en-US" sz="4000" dirty="0" smtClean="0">
-                <a:solidFill>
-                  <a:schemeClr val="bg1"/>
-                </a:solidFill>
-              </a:rPr>
-              <a:t>．</a:t>
-            </a:r>
-            <a:endParaRPr lang="en-US" altLang="ja-JP" sz="4000" dirty="0" smtClean="0">
-              <a:solidFill>
-                <a:schemeClr val="bg1"/>
-              </a:solidFill>
-            </a:endParaRPr>
-          </a:p>
-          <a:p>
-            <a:pPr marL="742950" indent="-742950">
-              <a:buFont typeface="+mj-lt"/>
-              <a:buAutoNum type="arabicPeriod"/>
-            </a:pPr>
-            <a:r>
-              <a:rPr lang="ja-JP" altLang="en-US" sz="4000" dirty="0">
-                <a:solidFill>
-                  <a:schemeClr val="bg1"/>
-                </a:solidFill>
-              </a:rPr>
-              <a:t>グラフの形を分類する</a:t>
-            </a:r>
-            <a:r>
-              <a:rPr lang="ja-JP" altLang="en-US" sz="4000" dirty="0" smtClean="0">
-                <a:solidFill>
-                  <a:schemeClr val="bg1"/>
-                </a:solidFill>
-              </a:rPr>
-              <a:t>．</a:t>
-            </a:r>
-            <a:endParaRPr lang="en-US" altLang="ja-JP" sz="4000" dirty="0" smtClean="0">
-              <a:solidFill>
-                <a:schemeClr val="bg1"/>
-              </a:solidFill>
-            </a:endParaRPr>
-          </a:p>
-          <a:p>
-            <a:pPr marL="742950" indent="-742950">
-              <a:buFont typeface="+mj-lt"/>
-              <a:buAutoNum type="arabicPeriod"/>
-            </a:pPr>
-            <a:r>
-              <a:rPr lang="ja-JP" altLang="en-US" sz="4000" dirty="0" smtClean="0">
-                <a:solidFill>
-                  <a:schemeClr val="bg1"/>
-                </a:solidFill>
-              </a:rPr>
-              <a:t>成功したプロジェクトが資金を獲得した時に行った行動を分析する．</a:t>
-            </a:r>
-            <a:endParaRPr kumimoji="1" lang="ja-JP" altLang="en-US" sz="4000" dirty="0">
-              <a:solidFill>
-                <a:schemeClr val="bg1"/>
-              </a:solidFill>
-            </a:endParaRPr>
-          </a:p>
-        </p:txBody>
-      </p:sp>
-      <p:sp>
-        <p:nvSpPr>
-          <p:cNvPr id="19" name="テキスト ボックス 18"/>
-          <p:cNvSpPr txBox="1"/>
-          <p:nvPr/>
-        </p:nvSpPr>
-        <p:spPr>
-          <a:xfrm>
-            <a:off x="652664" y="22866355"/>
-            <a:ext cx="5904656" cy="1015663"/>
-          </a:xfrm>
-          <a:prstGeom prst="rect">
-            <a:avLst/>
-          </a:prstGeom>
-          <a:noFill/>
-        </p:spPr>
-        <p:txBody>
-          <a:bodyPr wrap="square" rtlCol="0">
-            <a:spAutoFit/>
-          </a:bodyPr>
-          <a:lstStyle/>
-          <a:p>
-            <a:r>
-              <a:rPr kumimoji="1" lang="ja-JP" altLang="en-US" dirty="0" smtClean="0">
-                <a:solidFill>
-                  <a:schemeClr val="bg1"/>
-                </a:solidFill>
-              </a:rPr>
-              <a:t>現在の進歩状況</a:t>
-            </a:r>
-            <a:endParaRPr kumimoji="1" lang="ja-JP" altLang="en-US" dirty="0">
-              <a:solidFill>
-                <a:schemeClr val="bg1"/>
-              </a:solidFill>
-            </a:endParaRPr>
-          </a:p>
-        </p:txBody>
-      </p:sp>
-      <p:sp>
-        <p:nvSpPr>
-          <p:cNvPr id="21" name="テキスト ボックス 20"/>
-          <p:cNvSpPr txBox="1"/>
-          <p:nvPr/>
-        </p:nvSpPr>
-        <p:spPr>
-          <a:xfrm>
-            <a:off x="652664" y="24005129"/>
-            <a:ext cx="20914514" cy="1446550"/>
-          </a:xfrm>
-          <a:prstGeom prst="rect">
-            <a:avLst/>
-          </a:prstGeom>
-          <a:noFill/>
-        </p:spPr>
-        <p:txBody>
-          <a:bodyPr wrap="square" rtlCol="0">
-            <a:spAutoFit/>
-          </a:bodyPr>
-          <a:lstStyle/>
-          <a:p>
-            <a:r>
-              <a:rPr lang="ja-JP" altLang="en-US" sz="4400" dirty="0">
-                <a:solidFill>
-                  <a:schemeClr val="bg1"/>
-                </a:solidFill>
-              </a:rPr>
-              <a:t>現在までに約５か月分のデータを集め，継続</a:t>
-            </a:r>
-            <a:r>
-              <a:rPr lang="ja-JP" altLang="en-US" sz="4400" dirty="0" smtClean="0">
-                <a:solidFill>
-                  <a:schemeClr val="bg1"/>
-                </a:solidFill>
-              </a:rPr>
-              <a:t>して収集</a:t>
-            </a:r>
-            <a:r>
-              <a:rPr lang="ja-JP" altLang="en-US" sz="4400" dirty="0">
-                <a:solidFill>
-                  <a:schemeClr val="bg1"/>
-                </a:solidFill>
-              </a:rPr>
-              <a:t>している．集めたデータから欲しい情報</a:t>
-            </a:r>
-            <a:r>
-              <a:rPr lang="ja-JP" altLang="en-US" sz="4400" dirty="0" smtClean="0">
-                <a:solidFill>
-                  <a:schemeClr val="bg1"/>
-                </a:solidFill>
-              </a:rPr>
-              <a:t>だけを</a:t>
-            </a:r>
-            <a:r>
-              <a:rPr lang="ja-JP" altLang="en-US" sz="4400" dirty="0">
-                <a:solidFill>
-                  <a:schemeClr val="bg1"/>
-                </a:solidFill>
-              </a:rPr>
-              <a:t>自動的に抜き取る方法を模索している．</a:t>
-            </a:r>
-            <a:endParaRPr kumimoji="1" lang="ja-JP" altLang="en-US" sz="4400" dirty="0">
-              <a:solidFill>
-                <a:schemeClr val="bg1"/>
-              </a:solidFill>
-            </a:endParaRPr>
-          </a:p>
-        </p:txBody>
-      </p:sp>
-      <p:sp>
-        <p:nvSpPr>
-          <p:cNvPr id="22" name="テキスト ボックス 21"/>
-          <p:cNvSpPr txBox="1"/>
-          <p:nvPr/>
-        </p:nvSpPr>
-        <p:spPr>
-          <a:xfrm>
-            <a:off x="652664" y="25961120"/>
-            <a:ext cx="4031873" cy="1015663"/>
-          </a:xfrm>
-          <a:prstGeom prst="rect">
-            <a:avLst/>
-          </a:prstGeom>
-          <a:noFill/>
-        </p:spPr>
-        <p:txBody>
-          <a:bodyPr wrap="none" rtlCol="0">
-            <a:spAutoFit/>
-          </a:bodyPr>
-          <a:lstStyle/>
-          <a:p>
-            <a:r>
-              <a:rPr kumimoji="1" lang="ja-JP" altLang="en-US" dirty="0" smtClean="0">
-                <a:solidFill>
-                  <a:schemeClr val="bg1"/>
-                </a:solidFill>
-              </a:rPr>
-              <a:t>今後の予定</a:t>
-            </a:r>
-            <a:endParaRPr kumimoji="1" lang="ja-JP" altLang="en-US" dirty="0">
-              <a:solidFill>
-                <a:schemeClr val="bg1"/>
-              </a:solidFill>
-            </a:endParaRPr>
-          </a:p>
-        </p:txBody>
-      </p:sp>
-      <p:sp>
-        <p:nvSpPr>
-          <p:cNvPr id="23" name="テキスト ボックス 22"/>
-          <p:cNvSpPr txBox="1"/>
-          <p:nvPr/>
-        </p:nvSpPr>
-        <p:spPr>
-          <a:xfrm>
-            <a:off x="-829384" y="26952937"/>
-            <a:ext cx="22153054" cy="1446550"/>
-          </a:xfrm>
-          <a:prstGeom prst="rect">
-            <a:avLst/>
-          </a:prstGeom>
-          <a:noFill/>
-        </p:spPr>
-        <p:txBody>
-          <a:bodyPr wrap="square" rtlCol="0">
-            <a:spAutoFit/>
-          </a:bodyPr>
-          <a:lstStyle/>
-          <a:p>
-            <a:pPr lvl="1"/>
-            <a:r>
-              <a:rPr lang="ja-JP" altLang="en-US" sz="4400" dirty="0">
-                <a:solidFill>
-                  <a:schemeClr val="bg1"/>
-                </a:solidFill>
-              </a:rPr>
-              <a:t>今後は，引き続きデータを集めて資金調達の</a:t>
-            </a:r>
-            <a:r>
-              <a:rPr lang="ja-JP" altLang="en-US" sz="4400" dirty="0" smtClean="0">
-                <a:solidFill>
-                  <a:schemeClr val="bg1"/>
-                </a:solidFill>
-              </a:rPr>
-              <a:t>成功要因</a:t>
-            </a:r>
-            <a:r>
-              <a:rPr lang="ja-JP" altLang="en-US" sz="4400" dirty="0">
-                <a:solidFill>
-                  <a:schemeClr val="bg1"/>
-                </a:solidFill>
-              </a:rPr>
-              <a:t>であるものの的中率を上げる．</a:t>
-            </a:r>
-            <a:endParaRPr kumimoji="1" lang="ja-JP" altLang="en-US" sz="4400" dirty="0">
               <a:solidFill>
                 <a:schemeClr val="bg1"/>
               </a:solidFill>
@@ -7264,8 +6836,8 @@
         </p:blipFill>
         <p:spPr>
           <a:xfrm>
-            <a:off x="726428" y="18366021"/>
-            <a:ext cx="4926412" cy="3028806"/>
+            <a:off x="1656396" y="11917057"/>
+            <a:ext cx="9054924" cy="5567055"/>
           </a:xfrm>
           <a:prstGeom prst="rect">
             <a:avLst/>
@@ -7288,17 +6860,227 @@
         </p:blipFill>
         <p:spPr>
           <a:xfrm>
-            <a:off x="5706025" y="18365265"/>
-            <a:ext cx="4859174" cy="3029561"/>
+            <a:off x="10866635" y="11917057"/>
+            <a:ext cx="8929112" cy="5567055"/>
           </a:xfrm>
           <a:prstGeom prst="rect">
             <a:avLst/>
           </a:prstGeom>
         </p:spPr>
       </p:pic>
+      <p:sp>
+        <p:nvSpPr>
+          <p:cNvPr id="28" name="テキスト ボックス 27"/>
+          <p:cNvSpPr txBox="1"/>
+          <p:nvPr/>
+        </p:nvSpPr>
+        <p:spPr>
+          <a:xfrm>
+            <a:off x="8538546" y="17587546"/>
+            <a:ext cx="5915768" cy="646331"/>
+          </a:xfrm>
+          <a:prstGeom prst="rect">
+            <a:avLst/>
+          </a:prstGeom>
+          <a:noFill/>
+        </p:spPr>
+        <p:txBody>
+          <a:bodyPr wrap="square" rtlCol="0">
+            <a:spAutoFit/>
+          </a:bodyPr>
+          <a:lstStyle/>
+          <a:p>
+            <a:r>
+              <a:rPr kumimoji="1" lang="ja-JP" altLang="en-US" sz="3600" dirty="0" smtClean="0">
+                <a:solidFill>
+                  <a:schemeClr val="bg1"/>
+                </a:solidFill>
+              </a:rPr>
+              <a:t>調達資金の時間</a:t>
+            </a:r>
+            <a:r>
+              <a:rPr kumimoji="1" lang="ja-JP" altLang="en-US" sz="3600" dirty="0" smtClean="0">
+                <a:solidFill>
+                  <a:schemeClr val="bg1"/>
+                </a:solidFill>
+              </a:rPr>
+              <a:t>変化</a:t>
+            </a:r>
+            <a:endParaRPr kumimoji="1" lang="ja-JP" altLang="en-US" sz="3600" dirty="0">
+              <a:solidFill>
+                <a:schemeClr val="bg1"/>
+              </a:solidFill>
+            </a:endParaRPr>
+          </a:p>
+        </p:txBody>
+      </p:sp>
+      <p:sp>
+        <p:nvSpPr>
+          <p:cNvPr id="5" name="フローチャート: 結合子 4"/>
+          <p:cNvSpPr/>
+          <p:nvPr/>
+        </p:nvSpPr>
+        <p:spPr>
+          <a:xfrm>
+            <a:off x="4932032" y="13969388"/>
+            <a:ext cx="1251826" cy="1132875"/>
+          </a:xfrm>
+          <a:prstGeom prst="flowChartConnector">
+            <a:avLst/>
+          </a:prstGeom>
+          <a:noFill/>
+          <a:ln w="76200">
+            <a:solidFill>
+              <a:srgbClr val="FF0000"/>
+            </a:solidFill>
+          </a:ln>
+        </p:spPr>
+        <p:style>
+          <a:lnRef idx="2">
+            <a:schemeClr val="accent6"/>
+          </a:lnRef>
+          <a:fillRef idx="1">
+            <a:schemeClr val="lt1"/>
+          </a:fillRef>
+          <a:effectRef idx="0">
+            <a:schemeClr val="accent6"/>
+          </a:effectRef>
+          <a:fontRef idx="minor">
+            <a:schemeClr val="dk1"/>
+          </a:fontRef>
+        </p:style>
+        <p:txBody>
+          <a:bodyPr rtlCol="0" anchor="ctr"/>
+          <a:lstStyle/>
+          <a:p>
+            <a:pPr algn="ctr"/>
+            <a:endParaRPr kumimoji="1" lang="ja-JP" altLang="en-US"/>
+          </a:p>
+        </p:txBody>
+      </p:sp>
+      <p:sp>
+        <p:nvSpPr>
+          <p:cNvPr id="30" name="フローチャート: 結合子 29"/>
+          <p:cNvSpPr/>
+          <p:nvPr/>
+        </p:nvSpPr>
+        <p:spPr>
+          <a:xfrm>
+            <a:off x="17556592" y="14179061"/>
+            <a:ext cx="1251826" cy="1132875"/>
+          </a:xfrm>
+          <a:prstGeom prst="flowChartConnector">
+            <a:avLst/>
+          </a:prstGeom>
+          <a:noFill/>
+          <a:ln w="76200">
+            <a:solidFill>
+              <a:srgbClr val="FF0000"/>
+            </a:solidFill>
+          </a:ln>
+        </p:spPr>
+        <p:style>
+          <a:lnRef idx="2">
+            <a:schemeClr val="accent6"/>
+          </a:lnRef>
+          <a:fillRef idx="1">
+            <a:schemeClr val="lt1"/>
+          </a:fillRef>
+          <a:effectRef idx="0">
+            <a:schemeClr val="accent6"/>
+          </a:effectRef>
+          <a:fontRef idx="minor">
+            <a:schemeClr val="dk1"/>
+          </a:fontRef>
+        </p:style>
+        <p:txBody>
+          <a:bodyPr rtlCol="0" anchor="ctr"/>
+          <a:lstStyle/>
+          <a:p>
+            <a:pPr algn="ctr"/>
+            <a:endParaRPr kumimoji="1" lang="ja-JP" altLang="en-US"/>
+          </a:p>
+        </p:txBody>
+      </p:sp>
+      <p:cxnSp>
+        <p:nvCxnSpPr>
+          <p:cNvPr id="20" name="カギ線コネクタ 19"/>
+          <p:cNvCxnSpPr>
+            <a:stCxn id="5" idx="4"/>
+            <a:endCxn id="15" idx="3"/>
+          </p:cNvCxnSpPr>
+          <p:nvPr/>
+        </p:nvCxnSpPr>
+        <p:spPr>
+          <a:xfrm rot="5400000">
+            <a:off x="3096056" y="16233154"/>
+            <a:ext cx="3592781" cy="1330998"/>
+          </a:xfrm>
+          <a:prstGeom prst="bentConnector2">
+            <a:avLst/>
+          </a:prstGeom>
+          <a:ln w="76200">
+            <a:solidFill>
+              <a:srgbClr val="FF0000"/>
+            </a:solidFill>
+            <a:tailEnd type="triangle"/>
+          </a:ln>
+        </p:spPr>
+        <p:style>
+          <a:lnRef idx="3">
+            <a:schemeClr val="accent6"/>
+          </a:lnRef>
+          <a:fillRef idx="0">
+            <a:schemeClr val="accent6"/>
+          </a:fillRef>
+          <a:effectRef idx="2">
+            <a:schemeClr val="accent6"/>
+          </a:effectRef>
+          <a:fontRef idx="minor">
+            <a:schemeClr val="tx1"/>
+          </a:fontRef>
+        </p:style>
+      </p:cxnSp>
+      <p:cxnSp>
+        <p:nvCxnSpPr>
+          <p:cNvPr id="40" name="カギ線コネクタ 39"/>
+          <p:cNvCxnSpPr>
+            <a:stCxn id="30" idx="4"/>
+          </p:cNvCxnSpPr>
+          <p:nvPr/>
+        </p:nvCxnSpPr>
+        <p:spPr>
+          <a:xfrm rot="5400000">
+            <a:off x="10178671" y="10691210"/>
+            <a:ext cx="3383108" cy="12624560"/>
+          </a:xfrm>
+          <a:prstGeom prst="bentConnector2">
+            <a:avLst/>
+          </a:prstGeom>
+          <a:ln w="76200">
+            <a:solidFill>
+              <a:srgbClr val="FF0000"/>
+            </a:solidFill>
+          </a:ln>
+        </p:spPr>
+        <p:style>
+          <a:lnRef idx="3">
+            <a:schemeClr val="accent6"/>
+          </a:lnRef>
+          <a:fillRef idx="0">
+            <a:schemeClr val="accent6"/>
+          </a:fillRef>
+          <a:effectRef idx="2">
+            <a:schemeClr val="accent6"/>
+          </a:effectRef>
+          <a:fontRef idx="minor">
+            <a:schemeClr val="tx1"/>
+          </a:fontRef>
+        </p:style>
+      </p:cxnSp>
       <p:pic>
         <p:nvPicPr>
-          <p:cNvPr id="26" name="図 25"/>
+          <p:cNvPr id="51" name="図 50"/>
           <p:cNvPicPr>
             <a:picLocks noChangeAspect="1"/>
           </p:cNvPicPr>
@@ -7312,8 +7094,8 @@
         </p:blipFill>
         <p:spPr>
           <a:xfrm>
-            <a:off x="10641242" y="18365264"/>
-            <a:ext cx="4853045" cy="3029561"/>
+            <a:off x="1087836" y="22493900"/>
+            <a:ext cx="1999879" cy="1989297"/>
           </a:xfrm>
           <a:prstGeom prst="rect">
             <a:avLst/>
@@ -7322,7 +7104,7 @@
       </p:pic>
       <p:pic>
         <p:nvPicPr>
-          <p:cNvPr id="27" name="図 26"/>
+          <p:cNvPr id="52" name="図 51"/>
           <p:cNvPicPr>
             <a:picLocks noChangeAspect="1"/>
           </p:cNvPicPr>
@@ -7336,8 +7118,8 @@
         </p:blipFill>
         <p:spPr>
           <a:xfrm>
-            <a:off x="15571921" y="18365264"/>
-            <a:ext cx="4757299" cy="3029561"/>
+            <a:off x="3352064" y="22403463"/>
+            <a:ext cx="2087436" cy="2079734"/>
           </a:xfrm>
           <a:prstGeom prst="rect">
             <a:avLst/>
@@ -7346,14 +7128,14 @@
       </p:pic>
       <p:sp>
         <p:nvSpPr>
-          <p:cNvPr id="28" name="テキスト ボックス 27"/>
+          <p:cNvPr id="54" name="テキスト ボックス 53"/>
           <p:cNvSpPr txBox="1"/>
           <p:nvPr/>
         </p:nvSpPr>
         <p:spPr>
           <a:xfrm>
-            <a:off x="7807524" y="21630923"/>
-            <a:ext cx="5915768" cy="646331"/>
+            <a:off x="1656396" y="25495831"/>
+            <a:ext cx="3321225" cy="1200329"/>
           </a:xfrm>
           <a:prstGeom prst="rect">
             <a:avLst/>
@@ -7367,30 +7149,30 @@
           <a:lstStyle/>
           <a:p>
             <a:r>
-              <a:rPr kumimoji="1" lang="ja-JP" altLang="en-US" sz="3600" dirty="0" smtClean="0">
+              <a:rPr kumimoji="1" lang="en-US" altLang="ja-JP" sz="7200" dirty="0" smtClean="0">
                 <a:solidFill>
                   <a:schemeClr val="bg1"/>
                 </a:solidFill>
               </a:rPr>
-              <a:t>調達資金の時間変化</a:t>
-            </a:r>
-            <a:r>
-              <a:rPr kumimoji="1" lang="en-US" altLang="ja-JP" sz="3600" dirty="0" smtClean="0">
+              <a:t>13</a:t>
+            </a:r>
+            <a:r>
+              <a:rPr kumimoji="1" lang="ja-JP" altLang="en-US" sz="7200" dirty="0" smtClean="0">
                 <a:solidFill>
                   <a:schemeClr val="bg1"/>
                 </a:solidFill>
               </a:rPr>
-              <a:t>4</a:t>
-            </a:r>
-            <a:r>
-              <a:rPr kumimoji="1" lang="ja-JP" altLang="en-US" sz="3600" dirty="0" smtClean="0">
+              <a:t>：</a:t>
+            </a:r>
+            <a:r>
+              <a:rPr kumimoji="1" lang="en-US" altLang="ja-JP" sz="7200" dirty="0" smtClean="0">
                 <a:solidFill>
                   <a:schemeClr val="bg1"/>
                 </a:solidFill>
               </a:rPr>
-              <a:t>種類</a:t>
-            </a:r>
-            <a:endParaRPr kumimoji="1" lang="ja-JP" altLang="en-US" sz="3600" dirty="0">
+              <a:t>00</a:t>
+            </a:r>
+            <a:endParaRPr kumimoji="1" lang="ja-JP" altLang="en-US" sz="7200" dirty="0">
               <a:solidFill>
                 <a:schemeClr val="bg1"/>
               </a:solidFill>
@@ -7398,6 +7180,180 @@
           </a:p>
         </p:txBody>
       </p:sp>
+      <p:sp>
+        <p:nvSpPr>
+          <p:cNvPr id="55" name="右矢印 54"/>
+          <p:cNvSpPr/>
+          <p:nvPr/>
+        </p:nvSpPr>
+        <p:spPr>
+          <a:xfrm rot="5400000">
+            <a:off x="2719064" y="24730085"/>
+            <a:ext cx="978408" cy="484632"/>
+          </a:xfrm>
+          <a:prstGeom prst="rightArrow">
+            <a:avLst/>
+          </a:prstGeom>
+        </p:spPr>
+        <p:style>
+          <a:lnRef idx="2">
+            <a:schemeClr val="accent1">
+              <a:shade val="50000"/>
+            </a:schemeClr>
+          </a:lnRef>
+          <a:fillRef idx="1">
+            <a:schemeClr val="accent1"/>
+          </a:fillRef>
+          <a:effectRef idx="0">
+            <a:schemeClr val="accent1"/>
+          </a:effectRef>
+          <a:fontRef idx="minor">
+            <a:schemeClr val="lt1"/>
+          </a:fontRef>
+        </p:style>
+        <p:txBody>
+          <a:bodyPr rtlCol="0" anchor="ctr"/>
+          <a:lstStyle/>
+          <a:p>
+            <a:pPr algn="ctr"/>
+            <a:endParaRPr kumimoji="1" lang="ja-JP" altLang="en-US"/>
+          </a:p>
+        </p:txBody>
+      </p:sp>
+      <p:pic>
+        <p:nvPicPr>
+          <p:cNvPr id="56" name="図 55"/>
+          <p:cNvPicPr>
+            <a:picLocks noChangeAspect="1"/>
+          </p:cNvPicPr>
+          <p:nvPr/>
+        </p:nvPicPr>
+        <p:blipFill>
+          <a:blip r:embed="rId11"/>
+          <a:stretch>
+            <a:fillRect/>
+          </a:stretch>
+        </p:blipFill>
+        <p:spPr>
+          <a:xfrm>
+            <a:off x="6323938" y="23052832"/>
+            <a:ext cx="5925895" cy="3643328"/>
+          </a:xfrm>
+          <a:prstGeom prst="rect">
+            <a:avLst/>
+          </a:prstGeom>
+        </p:spPr>
+      </p:pic>
+      <p:sp>
+        <p:nvSpPr>
+          <p:cNvPr id="58" name="右矢印 57"/>
+          <p:cNvSpPr/>
+          <p:nvPr/>
+        </p:nvSpPr>
+        <p:spPr>
+          <a:xfrm>
+            <a:off x="5068741" y="25810244"/>
+            <a:ext cx="978408" cy="484632"/>
+          </a:xfrm>
+          <a:prstGeom prst="rightArrow">
+            <a:avLst/>
+          </a:prstGeom>
+        </p:spPr>
+        <p:style>
+          <a:lnRef idx="2">
+            <a:schemeClr val="accent1">
+              <a:shade val="50000"/>
+            </a:schemeClr>
+          </a:lnRef>
+          <a:fillRef idx="1">
+            <a:schemeClr val="accent1"/>
+          </a:fillRef>
+          <a:effectRef idx="0">
+            <a:schemeClr val="accent1"/>
+          </a:effectRef>
+          <a:fontRef idx="minor">
+            <a:schemeClr val="lt1"/>
+          </a:fontRef>
+        </p:style>
+        <p:txBody>
+          <a:bodyPr rtlCol="0" anchor="ctr"/>
+          <a:lstStyle/>
+          <a:p>
+            <a:pPr algn="ctr"/>
+            <a:endParaRPr kumimoji="1" lang="ja-JP" altLang="en-US"/>
+          </a:p>
+        </p:txBody>
+      </p:sp>
+      <p:sp>
+        <p:nvSpPr>
+          <p:cNvPr id="59" name="右矢印 58"/>
+          <p:cNvSpPr/>
+          <p:nvPr/>
+        </p:nvSpPr>
+        <p:spPr>
+          <a:xfrm>
+            <a:off x="12645067" y="24632180"/>
+            <a:ext cx="978408" cy="484632"/>
+          </a:xfrm>
+          <a:prstGeom prst="rightArrow">
+            <a:avLst/>
+          </a:prstGeom>
+        </p:spPr>
+        <p:style>
+          <a:lnRef idx="2">
+            <a:schemeClr val="accent1">
+              <a:shade val="50000"/>
+            </a:schemeClr>
+          </a:lnRef>
+          <a:fillRef idx="1">
+            <a:schemeClr val="accent1"/>
+          </a:fillRef>
+          <a:effectRef idx="0">
+            <a:schemeClr val="accent1"/>
+          </a:effectRef>
+          <a:fontRef idx="minor">
+            <a:schemeClr val="lt1"/>
+          </a:fontRef>
+        </p:style>
+        <p:txBody>
+          <a:bodyPr rtlCol="0" anchor="ctr"/>
+          <a:lstStyle/>
+          <a:p>
+            <a:pPr algn="ctr"/>
+            <a:endParaRPr kumimoji="1" lang="ja-JP" altLang="en-US"/>
+          </a:p>
+        </p:txBody>
+      </p:sp>
+      <p:pic>
+        <p:nvPicPr>
+          <p:cNvPr id="60" name="図 59"/>
+          <p:cNvPicPr>
+            <a:picLocks noChangeAspect="1"/>
+          </p:cNvPicPr>
+          <p:nvPr/>
+        </p:nvPicPr>
+        <p:blipFill>
+          <a:blip r:embed="rId12">
+            <a:extLst>
+              <a:ext uri="{28A0092B-C50C-407E-A947-70E740481C1C}">
+                <a14:useLocalDpi xmlns:a14="http://schemas.microsoft.com/office/drawing/2010/main" val="0"/>
+              </a:ext>
+            </a:extLst>
+          </a:blip>
+          <a:stretch>
+            <a:fillRect/>
+          </a:stretch>
+        </p:blipFill>
+        <p:spPr>
+          <a:xfrm>
+            <a:off x="14060520" y="21645070"/>
+            <a:ext cx="7147699" cy="7320453"/>
+          </a:xfrm>
+          <a:prstGeom prst="rect">
+            <a:avLst/>
+          </a:prstGeom>
+        </p:spPr>
+      </p:pic>
     </p:spTree>
     <p:extLst>
       <p:ext uri="{BB962C8B-B14F-4D97-AF65-F5344CB8AC3E}">

--- a/卒業論文/2015/島田樹/中間審査/卒論中間審査ポスター　島田樹.pptx
+++ b/卒業論文/2015/島田樹/中間審査/卒論中間審査ポスター　島田樹.pptx
@@ -6428,15 +6428,15 @@
                   <a:schemeClr val="bg1"/>
                 </a:solidFill>
               </a:rPr>
-              <a:t>課題</a:t>
-            </a:r>
-            <a:r>
-              <a:rPr lang="ja-JP" altLang="en-US" sz="4400" dirty="0">
+              <a:t>クラウドファンディングは</a:t>
+            </a:r>
+            <a:r>
+              <a:rPr lang="en-US" altLang="ja-JP" sz="4400" dirty="0" smtClean="0">
                 <a:solidFill>
                   <a:schemeClr val="bg1"/>
                 </a:solidFill>
               </a:rPr>
-              <a:t>研究において，調達資金の時間変化を調査</a:t>
+              <a:t>SNS</a:t>
             </a:r>
             <a:r>
               <a:rPr lang="ja-JP" altLang="en-US" sz="4400" dirty="0" smtClean="0">
@@ -6444,63 +6444,15 @@
                   <a:schemeClr val="bg1"/>
                 </a:solidFill>
               </a:rPr>
-              <a:t>し</a:t>
-            </a:r>
-            <a:r>
-              <a:rPr lang="ja-JP" altLang="en-US" sz="4400" dirty="0">
+              <a:t>の発達に伴</a:t>
+            </a:r>
+            <a:r>
+              <a:rPr lang="ja-JP" altLang="en-US" sz="4400" dirty="0" smtClean="0">
                 <a:solidFill>
                   <a:schemeClr val="bg1"/>
                 </a:solidFill>
               </a:rPr>
-              <a:t>可視化</a:t>
-            </a:r>
-            <a:r>
-              <a:rPr lang="ja-JP" altLang="en-US" sz="4400" dirty="0" smtClean="0">
-                <a:solidFill>
-                  <a:schemeClr val="bg1"/>
-                </a:solidFill>
-              </a:rPr>
-              <a:t>した</a:t>
-            </a:r>
-            <a:r>
-              <a:rPr lang="ja-JP" altLang="en-US" sz="4400" dirty="0">
-                <a:solidFill>
-                  <a:schemeClr val="bg1"/>
-                </a:solidFill>
-              </a:rPr>
-              <a:t>ところ，資金が集まり始める時期に</a:t>
-            </a:r>
-            <a:r>
-              <a:rPr lang="ja-JP" altLang="en-US" sz="4400" dirty="0" smtClean="0">
-                <a:solidFill>
-                  <a:schemeClr val="bg1"/>
-                </a:solidFill>
-              </a:rPr>
-              <a:t>は実</a:t>
-            </a:r>
-            <a:r>
-              <a:rPr lang="ja-JP" altLang="en-US" sz="4400" dirty="0">
-                <a:solidFill>
-                  <a:schemeClr val="bg1"/>
-                </a:solidFill>
-              </a:rPr>
-              <a:t>行者が何らかの</a:t>
-            </a:r>
-            <a:r>
-              <a:rPr lang="ja-JP" altLang="en-US" sz="4400" dirty="0" smtClean="0">
-                <a:solidFill>
-                  <a:schemeClr val="bg1"/>
-                </a:solidFill>
-              </a:rPr>
-              <a:t>行動を</a:t>
-            </a:r>
-            <a:r>
-              <a:rPr lang="ja-JP" altLang="en-US" sz="4400" dirty="0">
-                <a:solidFill>
-                  <a:schemeClr val="bg1"/>
-                </a:solidFill>
-              </a:rPr>
-              <a:t>していると考えた．</a:t>
+              <a:t>い成長してきた．調達資金を可視化し，実行者がした行動を分析することによって成功要因がわからないかと考えた．</a:t>
             </a:r>
             <a:endParaRPr kumimoji="1" lang="ja-JP" altLang="en-US" sz="4400" dirty="0">
               <a:solidFill>
@@ -6725,8 +6677,8 @@
         </p:nvSpPr>
         <p:spPr>
           <a:xfrm>
-            <a:off x="972320" y="19318147"/>
-            <a:ext cx="19226136" cy="1446550"/>
+            <a:off x="954788" y="19343745"/>
+            <a:ext cx="19226136" cy="769441"/>
           </a:xfrm>
           <a:prstGeom prst="rect">
             <a:avLst/>
@@ -6740,45 +6692,18 @@
           <a:lstStyle/>
           <a:p>
             <a:r>
-              <a:rPr lang="ja-JP" altLang="en-US" sz="4400" dirty="0">
+              <a:rPr lang="ja-JP" altLang="en-US" sz="4400" dirty="0" smtClean="0">
                 <a:solidFill>
                   <a:schemeClr val="bg1"/>
                 </a:solidFill>
               </a:rPr>
-              <a:t>多くの資金を集める直前にするべき</a:t>
-            </a:r>
-            <a:r>
-              <a:rPr lang="ja-JP" altLang="en-US" sz="4400" dirty="0" smtClean="0">
-                <a:solidFill>
-                  <a:schemeClr val="bg1"/>
-                </a:solidFill>
-              </a:rPr>
-              <a:t>プロジェクト実</a:t>
-            </a:r>
-            <a:r>
-              <a:rPr lang="ja-JP" altLang="en-US" sz="4400" dirty="0">
-                <a:solidFill>
-                  <a:schemeClr val="bg1"/>
-                </a:solidFill>
-              </a:rPr>
-              <a:t>行者の行動の参考となる指標を作ることを</a:t>
-            </a:r>
-            <a:r>
-              <a:rPr lang="ja-JP" altLang="en-US" sz="4400" dirty="0" smtClean="0">
-                <a:solidFill>
-                  <a:schemeClr val="bg1"/>
-                </a:solidFill>
-              </a:rPr>
-              <a:t>目的と</a:t>
-            </a:r>
-            <a:r>
-              <a:rPr lang="ja-JP" altLang="en-US" sz="4400" dirty="0">
-                <a:solidFill>
-                  <a:schemeClr val="bg1"/>
-                </a:solidFill>
-              </a:rPr>
-              <a:t>する．</a:t>
-            </a:r>
+              <a:t>プロジェクト実行者がするべき行動の指標を作る．</a:t>
+            </a:r>
+            <a:endParaRPr lang="ja-JP" altLang="en-US" sz="4400" dirty="0">
+              <a:solidFill>
+                <a:schemeClr val="bg1"/>
+              </a:solidFill>
+            </a:endParaRPr>
           </a:p>
         </p:txBody>
       </p:sp>
@@ -6790,7 +6715,7 @@
         </p:nvSpPr>
         <p:spPr>
           <a:xfrm>
-            <a:off x="972320" y="21387800"/>
+            <a:off x="969675" y="20254056"/>
             <a:ext cx="3384376" cy="1015663"/>
           </a:xfrm>
           <a:prstGeom prst="rect">
@@ -6896,15 +6821,7 @@
                   <a:schemeClr val="bg1"/>
                 </a:solidFill>
               </a:rPr>
-              <a:t>調達資金の時間</a:t>
-            </a:r>
-            <a:r>
-              <a:rPr kumimoji="1" lang="ja-JP" altLang="en-US" sz="3600" dirty="0" smtClean="0">
-                <a:solidFill>
-                  <a:schemeClr val="bg1"/>
-                </a:solidFill>
-              </a:rPr>
-              <a:t>変化</a:t>
+              <a:t>調達資金の時間変化</a:t>
             </a:r>
             <a:endParaRPr kumimoji="1" lang="ja-JP" altLang="en-US" sz="3600" dirty="0">
               <a:solidFill>
@@ -7094,7 +7011,7 @@
         </p:blipFill>
         <p:spPr>
           <a:xfrm>
-            <a:off x="1087836" y="22493900"/>
+            <a:off x="984618" y="21125820"/>
             <a:ext cx="1999879" cy="1989297"/>
           </a:xfrm>
           <a:prstGeom prst="rect">
@@ -7118,7 +7035,7 @@
         </p:blipFill>
         <p:spPr>
           <a:xfrm>
-            <a:off x="3352064" y="22403463"/>
+            <a:off x="2965952" y="21152551"/>
             <a:ext cx="2087436" cy="2079734"/>
           </a:xfrm>
           <a:prstGeom prst="rect">
@@ -7134,8 +7051,8 @@
         </p:nvSpPr>
         <p:spPr>
           <a:xfrm>
-            <a:off x="1656396" y="25495831"/>
-            <a:ext cx="3321225" cy="1200329"/>
+            <a:off x="1338773" y="24591425"/>
+            <a:ext cx="3725974" cy="1323439"/>
           </a:xfrm>
           <a:prstGeom prst="rect">
             <a:avLst/>
@@ -7149,7 +7066,7 @@
           <a:lstStyle/>
           <a:p>
             <a:r>
-              <a:rPr kumimoji="1" lang="en-US" altLang="ja-JP" sz="7200" dirty="0" smtClean="0">
+              <a:rPr kumimoji="1" lang="en-US" altLang="ja-JP" sz="8000" dirty="0" smtClean="0">
                 <a:solidFill>
                   <a:schemeClr val="bg1"/>
                 </a:solidFill>
@@ -7157,7 +7074,7 @@
               <a:t>13</a:t>
             </a:r>
             <a:r>
-              <a:rPr kumimoji="1" lang="ja-JP" altLang="en-US" sz="7200" dirty="0" smtClean="0">
+              <a:rPr kumimoji="1" lang="ja-JP" altLang="en-US" sz="8000" dirty="0" smtClean="0">
                 <a:solidFill>
                   <a:schemeClr val="bg1"/>
                 </a:solidFill>
@@ -7165,14 +7082,14 @@
               <a:t>：</a:t>
             </a:r>
             <a:r>
-              <a:rPr kumimoji="1" lang="en-US" altLang="ja-JP" sz="7200" dirty="0" smtClean="0">
+              <a:rPr kumimoji="1" lang="en-US" altLang="ja-JP" sz="8000" dirty="0" smtClean="0">
                 <a:solidFill>
                   <a:schemeClr val="bg1"/>
                 </a:solidFill>
               </a:rPr>
               <a:t>00</a:t>
             </a:r>
-            <a:endParaRPr kumimoji="1" lang="ja-JP" altLang="en-US" sz="7200" dirty="0">
+            <a:endParaRPr kumimoji="1" lang="ja-JP" altLang="en-US" sz="8000" dirty="0">
               <a:solidFill>
                 <a:schemeClr val="bg1"/>
               </a:solidFill>
@@ -7188,7 +7105,7 @@
         </p:nvSpPr>
         <p:spPr>
           <a:xfrm rot="5400000">
-            <a:off x="2719064" y="24730085"/>
+            <a:off x="2558798" y="23984199"/>
             <a:ext cx="978408" cy="484632"/>
           </a:xfrm>
           <a:prstGeom prst="rightArrow">
@@ -7236,8 +7153,8 @@
         </p:blipFill>
         <p:spPr>
           <a:xfrm>
-            <a:off x="6323938" y="23052832"/>
-            <a:ext cx="5925895" cy="3643328"/>
+            <a:off x="6323937" y="23052831"/>
+            <a:ext cx="6806113" cy="4184499"/>
           </a:xfrm>
           <a:prstGeom prst="rect">
             <a:avLst/>
@@ -7252,7 +7169,7 @@
         </p:nvSpPr>
         <p:spPr>
           <a:xfrm>
-            <a:off x="5068741" y="25810244"/>
+            <a:off x="5015059" y="24833193"/>
             <a:ext cx="978408" cy="484632"/>
           </a:xfrm>
           <a:prstGeom prst="rightArrow">
@@ -7292,7 +7209,7 @@
         </p:nvSpPr>
         <p:spPr>
           <a:xfrm>
-            <a:off x="12645067" y="24632180"/>
+            <a:off x="13222488" y="24833193"/>
             <a:ext cx="978408" cy="484632"/>
           </a:xfrm>
           <a:prstGeom prst="rightArrow">
@@ -7346,14 +7263,272 @@
         </p:blipFill>
         <p:spPr>
           <a:xfrm>
-            <a:off x="14060520" y="21645070"/>
-            <a:ext cx="7147699" cy="7320453"/>
+            <a:off x="14285641" y="21684081"/>
+            <a:ext cx="3522928" cy="3608074"/>
           </a:xfrm>
           <a:prstGeom prst="rect">
             <a:avLst/>
           </a:prstGeom>
         </p:spPr>
       </p:pic>
+      <p:sp>
+        <p:nvSpPr>
+          <p:cNvPr id="7" name="テキスト ボックス 6"/>
+          <p:cNvSpPr txBox="1"/>
+          <p:nvPr/>
+        </p:nvSpPr>
+        <p:spPr>
+          <a:xfrm>
+            <a:off x="5557944" y="18141169"/>
+            <a:ext cx="3144154" cy="584775"/>
+          </a:xfrm>
+          <a:prstGeom prst="rect">
+            <a:avLst/>
+          </a:prstGeom>
+          <a:noFill/>
+        </p:spPr>
+        <p:txBody>
+          <a:bodyPr wrap="square" rtlCol="0">
+            <a:spAutoFit/>
+          </a:bodyPr>
+          <a:lstStyle/>
+          <a:p>
+            <a:r>
+              <a:rPr kumimoji="1" lang="ja-JP" altLang="en-US" sz="3200" dirty="0" smtClean="0">
+                <a:solidFill>
+                  <a:srgbClr val="FF0000"/>
+                </a:solidFill>
+              </a:rPr>
+              <a:t>ここに注目した</a:t>
+            </a:r>
+            <a:endParaRPr kumimoji="1" lang="ja-JP" altLang="en-US" sz="3200" dirty="0">
+              <a:solidFill>
+                <a:srgbClr val="FF0000"/>
+              </a:solidFill>
+            </a:endParaRPr>
+          </a:p>
+        </p:txBody>
+      </p:sp>
+      <p:sp>
+        <p:nvSpPr>
+          <p:cNvPr id="14" name="テキスト ボックス 13"/>
+          <p:cNvSpPr txBox="1"/>
+          <p:nvPr/>
+        </p:nvSpPr>
+        <p:spPr>
+          <a:xfrm>
+            <a:off x="384959" y="23072369"/>
+            <a:ext cx="5795265" cy="584775"/>
+          </a:xfrm>
+          <a:prstGeom prst="rect">
+            <a:avLst/>
+          </a:prstGeom>
+          <a:noFill/>
+        </p:spPr>
+        <p:txBody>
+          <a:bodyPr wrap="square" rtlCol="0">
+            <a:spAutoFit/>
+          </a:bodyPr>
+          <a:lstStyle/>
+          <a:p>
+            <a:r>
+              <a:rPr kumimoji="1" lang="ja-JP" altLang="en-US" sz="3200" dirty="0" smtClean="0">
+                <a:solidFill>
+                  <a:schemeClr val="bg1"/>
+                </a:solidFill>
+              </a:rPr>
+              <a:t>監視するプロジェクトを選ぶ</a:t>
+            </a:r>
+            <a:endParaRPr kumimoji="1" lang="ja-JP" altLang="en-US" sz="3200" dirty="0">
+              <a:solidFill>
+                <a:schemeClr val="bg1"/>
+              </a:solidFill>
+            </a:endParaRPr>
+          </a:p>
+        </p:txBody>
+      </p:sp>
+      <p:sp>
+        <p:nvSpPr>
+          <p:cNvPr id="32" name="テキスト ボックス 31"/>
+          <p:cNvSpPr txBox="1"/>
+          <p:nvPr/>
+        </p:nvSpPr>
+        <p:spPr>
+          <a:xfrm>
+            <a:off x="793792" y="25706168"/>
+            <a:ext cx="4736128" cy="584775"/>
+          </a:xfrm>
+          <a:prstGeom prst="rect">
+            <a:avLst/>
+          </a:prstGeom>
+          <a:noFill/>
+        </p:spPr>
+        <p:txBody>
+          <a:bodyPr wrap="square" rtlCol="0">
+            <a:spAutoFit/>
+          </a:bodyPr>
+          <a:lstStyle/>
+          <a:p>
+            <a:r>
+              <a:rPr kumimoji="1" lang="ja-JP" altLang="en-US" sz="3200" dirty="0" smtClean="0">
+                <a:solidFill>
+                  <a:schemeClr val="bg1"/>
+                </a:solidFill>
+              </a:rPr>
+              <a:t>毎日定時にデータを収集</a:t>
+            </a:r>
+            <a:endParaRPr kumimoji="1" lang="ja-JP" altLang="en-US" sz="3200" dirty="0">
+              <a:solidFill>
+                <a:schemeClr val="bg1"/>
+              </a:solidFill>
+            </a:endParaRPr>
+          </a:p>
+        </p:txBody>
+      </p:sp>
+      <p:sp>
+        <p:nvSpPr>
+          <p:cNvPr id="34" name="テキスト ボックス 33"/>
+          <p:cNvSpPr txBox="1"/>
+          <p:nvPr/>
+        </p:nvSpPr>
+        <p:spPr>
+          <a:xfrm>
+            <a:off x="6732960" y="27258033"/>
+            <a:ext cx="5484127" cy="584775"/>
+          </a:xfrm>
+          <a:prstGeom prst="rect">
+            <a:avLst/>
+          </a:prstGeom>
+          <a:noFill/>
+        </p:spPr>
+        <p:txBody>
+          <a:bodyPr wrap="square" rtlCol="0">
+            <a:spAutoFit/>
+          </a:bodyPr>
+          <a:lstStyle/>
+          <a:p>
+            <a:r>
+              <a:rPr lang="ja-JP" altLang="en-US" sz="3200" dirty="0" smtClean="0">
+                <a:solidFill>
+                  <a:schemeClr val="bg1"/>
+                </a:solidFill>
+              </a:rPr>
+              <a:t>調達資金の時間変化を可視化</a:t>
+            </a:r>
+            <a:endParaRPr kumimoji="1" lang="ja-JP" altLang="en-US" sz="3200" dirty="0">
+              <a:solidFill>
+                <a:schemeClr val="bg1"/>
+              </a:solidFill>
+            </a:endParaRPr>
+          </a:p>
+        </p:txBody>
+      </p:sp>
+      <p:pic>
+        <p:nvPicPr>
+          <p:cNvPr id="19" name="図 18"/>
+          <p:cNvPicPr>
+            <a:picLocks noChangeAspect="1"/>
+          </p:cNvPicPr>
+          <p:nvPr/>
+        </p:nvPicPr>
+        <p:blipFill>
+          <a:blip r:embed="rId13">
+            <a:extLst>
+              <a:ext uri="{28A0092B-C50C-407E-A947-70E740481C1C}">
+                <a14:useLocalDpi xmlns:a14="http://schemas.microsoft.com/office/drawing/2010/main" val="0"/>
+              </a:ext>
+            </a:extLst>
+          </a:blip>
+          <a:stretch>
+            <a:fillRect/>
+          </a:stretch>
+        </p:blipFill>
+        <p:spPr>
+          <a:xfrm>
+            <a:off x="17539747" y="21256728"/>
+            <a:ext cx="3845611" cy="4061097"/>
+          </a:xfrm>
+          <a:prstGeom prst="rect">
+            <a:avLst/>
+          </a:prstGeom>
+        </p:spPr>
+      </p:pic>
+      <p:pic>
+        <p:nvPicPr>
+          <p:cNvPr id="21" name="図 20"/>
+          <p:cNvPicPr>
+            <a:picLocks noChangeAspect="1"/>
+          </p:cNvPicPr>
+          <p:nvPr/>
+        </p:nvPicPr>
+        <p:blipFill>
+          <a:blip r:embed="rId14">
+            <a:extLst>
+              <a:ext uri="{28A0092B-C50C-407E-A947-70E740481C1C}">
+                <a14:useLocalDpi xmlns:a14="http://schemas.microsoft.com/office/drawing/2010/main" val="0"/>
+              </a:ext>
+            </a:extLst>
+          </a:blip>
+          <a:stretch>
+            <a:fillRect/>
+          </a:stretch>
+        </p:blipFill>
+        <p:spPr>
+          <a:xfrm>
+            <a:off x="14876161" y="25292155"/>
+            <a:ext cx="5075094" cy="3241320"/>
+          </a:xfrm>
+          <a:prstGeom prst="rect">
+            <a:avLst/>
+          </a:prstGeom>
+        </p:spPr>
+      </p:pic>
+      <p:sp>
+        <p:nvSpPr>
+          <p:cNvPr id="37" name="テキスト ボックス 36"/>
+          <p:cNvSpPr txBox="1"/>
+          <p:nvPr/>
+        </p:nvSpPr>
+        <p:spPr>
+          <a:xfrm>
+            <a:off x="15362401" y="28663182"/>
+            <a:ext cx="5484127" cy="584775"/>
+          </a:xfrm>
+          <a:prstGeom prst="rect">
+            <a:avLst/>
+          </a:prstGeom>
+          <a:noFill/>
+        </p:spPr>
+        <p:txBody>
+          <a:bodyPr wrap="square" rtlCol="0">
+            <a:spAutoFit/>
+          </a:bodyPr>
+          <a:lstStyle/>
+          <a:p>
+            <a:r>
+              <a:rPr lang="ja-JP" altLang="en-US" sz="3200" dirty="0">
+                <a:solidFill>
+                  <a:schemeClr val="bg1"/>
+                </a:solidFill>
+              </a:rPr>
+              <a:t>実</a:t>
+            </a:r>
+            <a:r>
+              <a:rPr lang="ja-JP" altLang="en-US" sz="3200" dirty="0" smtClean="0">
+                <a:solidFill>
+                  <a:schemeClr val="bg1"/>
+                </a:solidFill>
+              </a:rPr>
+              <a:t>行者の行動を分析</a:t>
+            </a:r>
+            <a:endParaRPr kumimoji="1" lang="ja-JP" altLang="en-US" sz="3200" dirty="0">
+              <a:solidFill>
+                <a:schemeClr val="bg1"/>
+              </a:solidFill>
+            </a:endParaRPr>
+          </a:p>
+        </p:txBody>
+      </p:sp>
     </p:spTree>
     <p:extLst>
       <p:ext uri="{BB962C8B-B14F-4D97-AF65-F5344CB8AC3E}">

--- a/卒業論文/2015/島田樹/中間審査/卒論中間審査ポスター　島田樹.pptx
+++ b/卒業論文/2015/島田樹/中間審査/卒論中間審査ポスター　島田樹.pptx
@@ -208,7 +208,7 @@
           <a:p>
             <a:fld id="{5140B599-C87A-4859-9283-A97598826292}" type="datetimeFigureOut">
               <a:rPr kumimoji="1" lang="ja-JP" altLang="en-US" smtClean="0"/>
-              <a:t>2016/10/10</a:t>
+              <a:t>2016/10/11</a:t>
             </a:fld>
             <a:endParaRPr kumimoji="1" lang="ja-JP" altLang="en-US"/>
           </a:p>
@@ -973,7 +973,7 @@
           <a:p>
             <a:fld id="{4ADE0E56-B02A-4EE7-B89E-44845DFFCF82}" type="datetimeFigureOut">
               <a:rPr kumimoji="1" lang="ja-JP" altLang="en-US" smtClean="0"/>
-              <a:t>2016/10/10</a:t>
+              <a:t>2016/10/11</a:t>
             </a:fld>
             <a:endParaRPr kumimoji="1" lang="ja-JP" altLang="en-US"/>
           </a:p>
@@ -1239,7 +1239,7 @@
           <a:p>
             <a:fld id="{4ADE0E56-B02A-4EE7-B89E-44845DFFCF82}" type="datetimeFigureOut">
               <a:rPr kumimoji="1" lang="ja-JP" altLang="en-US" smtClean="0"/>
-              <a:t>2016/10/10</a:t>
+              <a:t>2016/10/11</a:t>
             </a:fld>
             <a:endParaRPr kumimoji="1" lang="ja-JP" altLang="en-US"/>
           </a:p>
@@ -1489,7 +1489,7 @@
           <a:p>
             <a:fld id="{4ADE0E56-B02A-4EE7-B89E-44845DFFCF82}" type="datetimeFigureOut">
               <a:rPr kumimoji="1" lang="ja-JP" altLang="en-US" smtClean="0"/>
-              <a:t>2016/10/10</a:t>
+              <a:t>2016/10/11</a:t>
             </a:fld>
             <a:endParaRPr kumimoji="1" lang="ja-JP" altLang="en-US"/>
           </a:p>
@@ -1797,7 +1797,7 @@
           <a:p>
             <a:fld id="{4ADE0E56-B02A-4EE7-B89E-44845DFFCF82}" type="datetimeFigureOut">
               <a:rPr kumimoji="1" lang="ja-JP" altLang="en-US" smtClean="0"/>
-              <a:t>2016/10/10</a:t>
+              <a:t>2016/10/11</a:t>
             </a:fld>
             <a:endParaRPr kumimoji="1" lang="ja-JP" altLang="en-US"/>
           </a:p>
@@ -2115,7 +2115,7 @@
           <a:p>
             <a:fld id="{4ADE0E56-B02A-4EE7-B89E-44845DFFCF82}" type="datetimeFigureOut">
               <a:rPr kumimoji="1" lang="ja-JP" altLang="en-US" smtClean="0"/>
-              <a:t>2016/10/10</a:t>
+              <a:t>2016/10/11</a:t>
             </a:fld>
             <a:endParaRPr kumimoji="1" lang="ja-JP" altLang="en-US"/>
           </a:p>
@@ -2417,7 +2417,7 @@
           <a:p>
             <a:fld id="{4ADE0E56-B02A-4EE7-B89E-44845DFFCF82}" type="datetimeFigureOut">
               <a:rPr kumimoji="1" lang="ja-JP" altLang="en-US" smtClean="0"/>
-              <a:t>2016/10/10</a:t>
+              <a:t>2016/10/11</a:t>
             </a:fld>
             <a:endParaRPr kumimoji="1" lang="ja-JP" altLang="en-US"/>
           </a:p>
@@ -2784,7 +2784,7 @@
           <a:p>
             <a:fld id="{4ADE0E56-B02A-4EE7-B89E-44845DFFCF82}" type="datetimeFigureOut">
               <a:rPr kumimoji="1" lang="ja-JP" altLang="en-US" smtClean="0"/>
-              <a:t>2016/10/10</a:t>
+              <a:t>2016/10/11</a:t>
             </a:fld>
             <a:endParaRPr kumimoji="1" lang="ja-JP" altLang="en-US"/>
           </a:p>
@@ -3002,7 +3002,7 @@
           <a:p>
             <a:fld id="{4ADE0E56-B02A-4EE7-B89E-44845DFFCF82}" type="datetimeFigureOut">
               <a:rPr kumimoji="1" lang="ja-JP" altLang="en-US" smtClean="0"/>
-              <a:t>2016/10/10</a:t>
+              <a:t>2016/10/11</a:t>
             </a:fld>
             <a:endParaRPr kumimoji="1" lang="ja-JP" altLang="en-US"/>
           </a:p>
@@ -3220,7 +3220,7 @@
           <a:p>
             <a:fld id="{4ADE0E56-B02A-4EE7-B89E-44845DFFCF82}" type="datetimeFigureOut">
               <a:rPr kumimoji="1" lang="ja-JP" altLang="en-US" smtClean="0"/>
-              <a:t>2016/10/10</a:t>
+              <a:t>2016/10/11</a:t>
             </a:fld>
             <a:endParaRPr kumimoji="1" lang="ja-JP" altLang="en-US"/>
           </a:p>
@@ -3432,7 +3432,7 @@
           <a:p>
             <a:fld id="{4ADE0E56-B02A-4EE7-B89E-44845DFFCF82}" type="datetimeFigureOut">
               <a:rPr kumimoji="1" lang="ja-JP" altLang="en-US" smtClean="0"/>
-              <a:t>2016/10/10</a:t>
+              <a:t>2016/10/11</a:t>
             </a:fld>
             <a:endParaRPr kumimoji="1" lang="ja-JP" altLang="en-US"/>
           </a:p>
@@ -3682,7 +3682,7 @@
           <a:p>
             <a:fld id="{4ADE0E56-B02A-4EE7-B89E-44845DFFCF82}" type="datetimeFigureOut">
               <a:rPr kumimoji="1" lang="ja-JP" altLang="en-US" smtClean="0"/>
-              <a:t>2016/10/10</a:t>
+              <a:t>2016/10/11</a:t>
             </a:fld>
             <a:endParaRPr kumimoji="1" lang="ja-JP" altLang="en-US"/>
           </a:p>
@@ -3993,7 +3993,7 @@
           <a:p>
             <a:fld id="{4ADE0E56-B02A-4EE7-B89E-44845DFFCF82}" type="datetimeFigureOut">
               <a:rPr kumimoji="1" lang="ja-JP" altLang="en-US" smtClean="0"/>
-              <a:t>2016/10/10</a:t>
+              <a:t>2016/10/11</a:t>
             </a:fld>
             <a:endParaRPr kumimoji="1" lang="ja-JP" altLang="en-US"/>
           </a:p>
@@ -4446,7 +4446,7 @@
           <a:p>
             <a:fld id="{4ADE0E56-B02A-4EE7-B89E-44845DFFCF82}" type="datetimeFigureOut">
               <a:rPr kumimoji="1" lang="ja-JP" altLang="en-US" smtClean="0"/>
-              <a:t>2016/10/10</a:t>
+              <a:t>2016/10/11</a:t>
             </a:fld>
             <a:endParaRPr kumimoji="1" lang="ja-JP" altLang="en-US"/>
           </a:p>
@@ -4575,7 +4575,7 @@
           <a:p>
             <a:fld id="{4ADE0E56-B02A-4EE7-B89E-44845DFFCF82}" type="datetimeFigureOut">
               <a:rPr kumimoji="1" lang="ja-JP" altLang="en-US" smtClean="0"/>
-              <a:t>2016/10/10</a:t>
+              <a:t>2016/10/11</a:t>
             </a:fld>
             <a:endParaRPr kumimoji="1" lang="ja-JP" altLang="en-US"/>
           </a:p>
@@ -4670,7 +4670,7 @@
           <a:p>
             <a:fld id="{4ADE0E56-B02A-4EE7-B89E-44845DFFCF82}" type="datetimeFigureOut">
               <a:rPr kumimoji="1" lang="ja-JP" altLang="en-US" smtClean="0"/>
-              <a:t>2016/10/10</a:t>
+              <a:t>2016/10/11</a:t>
             </a:fld>
             <a:endParaRPr kumimoji="1" lang="ja-JP" altLang="en-US"/>
           </a:p>
@@ -4957,7 +4957,7 @@
           <a:p>
             <a:fld id="{4ADE0E56-B02A-4EE7-B89E-44845DFFCF82}" type="datetimeFigureOut">
               <a:rPr kumimoji="1" lang="ja-JP" altLang="en-US" smtClean="0"/>
-              <a:t>2016/10/10</a:t>
+              <a:t>2016/10/11</a:t>
             </a:fld>
             <a:endParaRPr kumimoji="1" lang="ja-JP" altLang="en-US"/>
           </a:p>
@@ -5240,7 +5240,7 @@
           <a:p>
             <a:fld id="{4ADE0E56-B02A-4EE7-B89E-44845DFFCF82}" type="datetimeFigureOut">
               <a:rPr kumimoji="1" lang="ja-JP" altLang="en-US" smtClean="0"/>
-              <a:t>2016/10/10</a:t>
+              <a:t>2016/10/11</a:t>
             </a:fld>
             <a:endParaRPr kumimoji="1" lang="ja-JP" altLang="en-US"/>
           </a:p>
@@ -5683,7 +5683,7 @@
           <a:p>
             <a:fld id="{4ADE0E56-B02A-4EE7-B89E-44845DFFCF82}" type="datetimeFigureOut">
               <a:rPr kumimoji="1" lang="ja-JP" altLang="en-US" smtClean="0"/>
-              <a:t>2016/10/10</a:t>
+              <a:t>2016/10/11</a:t>
             </a:fld>
             <a:endParaRPr kumimoji="1" lang="ja-JP" altLang="en-US"/>
           </a:p>
@@ -6444,15 +6444,7 @@
                   <a:schemeClr val="bg1"/>
                 </a:solidFill>
               </a:rPr>
-              <a:t>の発達に伴</a:t>
-            </a:r>
-            <a:r>
-              <a:rPr lang="ja-JP" altLang="en-US" sz="4400" dirty="0" smtClean="0">
-                <a:solidFill>
-                  <a:schemeClr val="bg1"/>
-                </a:solidFill>
-              </a:rPr>
-              <a:t>い成長してきた．調達資金を可視化し，実行者がした行動を分析することによって成功要因がわからないかと考えた．</a:t>
+              <a:t>の発達に伴い成長してきた．調達資金を可視化し，実行者がした行動を分析することによって成功要因がわからないかと考えた．</a:t>
             </a:r>
             <a:endParaRPr kumimoji="1" lang="ja-JP" altLang="en-US" sz="4400" dirty="0">
               <a:solidFill>
@@ -6639,7 +6631,7 @@
         </p:nvSpPr>
         <p:spPr>
           <a:xfrm>
-            <a:off x="972320" y="18187212"/>
+            <a:off x="1069577" y="17435670"/>
             <a:ext cx="3254627" cy="1015663"/>
           </a:xfrm>
           <a:prstGeom prst="rect">
@@ -6677,7 +6669,7 @@
         </p:nvSpPr>
         <p:spPr>
           <a:xfrm>
-            <a:off x="954788" y="19343745"/>
+            <a:off x="969675" y="18364387"/>
             <a:ext cx="19226136" cy="769441"/>
           </a:xfrm>
           <a:prstGeom prst="rect">
@@ -6715,7 +6707,7 @@
         </p:nvSpPr>
         <p:spPr>
           <a:xfrm>
-            <a:off x="969675" y="20254056"/>
+            <a:off x="969675" y="19179879"/>
             <a:ext cx="3384376" cy="1015663"/>
           </a:xfrm>
           <a:prstGeom prst="rect">
@@ -6761,8 +6753,8 @@
         </p:blipFill>
         <p:spPr>
           <a:xfrm>
-            <a:off x="1656396" y="11917057"/>
-            <a:ext cx="9054924" cy="5567055"/>
+            <a:off x="2805686" y="11917058"/>
+            <a:ext cx="7905634" cy="4860460"/>
           </a:xfrm>
           <a:prstGeom prst="rect">
             <a:avLst/>
@@ -6786,7 +6778,7 @@
         <p:spPr>
           <a:xfrm>
             <a:off x="10866635" y="11917057"/>
-            <a:ext cx="8929112" cy="5567055"/>
+            <a:ext cx="7795792" cy="4860461"/>
           </a:xfrm>
           <a:prstGeom prst="rect">
             <a:avLst/>
@@ -6801,7 +6793,7 @@
         </p:nvSpPr>
         <p:spPr>
           <a:xfrm>
-            <a:off x="8538546" y="17587546"/>
+            <a:off x="8533160" y="16832473"/>
             <a:ext cx="5915768" cy="646331"/>
           </a:xfrm>
           <a:prstGeom prst="rect">
@@ -6839,7 +6831,7 @@
         </p:nvSpPr>
         <p:spPr>
           <a:xfrm>
-            <a:off x="4932032" y="13969388"/>
+            <a:off x="5367554" y="13870159"/>
             <a:ext cx="1251826" cy="1132875"/>
           </a:xfrm>
           <a:prstGeom prst="flowChartConnector">
@@ -6883,7 +6875,7 @@
         </p:nvSpPr>
         <p:spPr>
           <a:xfrm>
-            <a:off x="17556592" y="14179061"/>
+            <a:off x="16583893" y="13818795"/>
             <a:ext cx="1251826" cy="1132875"/>
           </a:xfrm>
           <a:prstGeom prst="flowChartConnector">
@@ -6930,8 +6922,8 @@
         </p:nvCxnSpPr>
         <p:spPr>
           <a:xfrm rot="5400000">
-            <a:off x="3096056" y="16233154"/>
-            <a:ext cx="3592781" cy="1330998"/>
+            <a:off x="3688602" y="15638637"/>
+            <a:ext cx="2940468" cy="1669263"/>
           </a:xfrm>
           <a:prstGeom prst="bentConnector2">
             <a:avLst/>
@@ -6968,8 +6960,8 @@
         </p:nvCxnSpPr>
         <p:spPr>
           <a:xfrm rot="5400000">
-            <a:off x="10178671" y="10691210"/>
-            <a:ext cx="3383108" cy="12624560"/>
+            <a:off x="9394109" y="10141657"/>
+            <a:ext cx="3005684" cy="12625710"/>
           </a:xfrm>
           <a:prstGeom prst="bentConnector2">
             <a:avLst/>
@@ -7011,7 +7003,7 @@
         </p:blipFill>
         <p:spPr>
           <a:xfrm>
-            <a:off x="984618" y="21125820"/>
+            <a:off x="1043063" y="19963731"/>
             <a:ext cx="1999879" cy="1989297"/>
           </a:xfrm>
           <a:prstGeom prst="rect">
@@ -7035,7 +7027,7 @@
         </p:blipFill>
         <p:spPr>
           <a:xfrm>
-            <a:off x="2965952" y="21152551"/>
+            <a:off x="3011291" y="20190653"/>
             <a:ext cx="2087436" cy="2079734"/>
           </a:xfrm>
           <a:prstGeom prst="rect">
@@ -7051,7 +7043,7 @@
         </p:nvSpPr>
         <p:spPr>
           <a:xfrm>
-            <a:off x="1338773" y="24591425"/>
+            <a:off x="1355584" y="23121411"/>
             <a:ext cx="3725974" cy="1323439"/>
           </a:xfrm>
           <a:prstGeom prst="rect">
@@ -7105,7 +7097,7 @@
         </p:nvSpPr>
         <p:spPr>
           <a:xfrm rot="5400000">
-            <a:off x="2558798" y="23984199"/>
+            <a:off x="2558798" y="22687955"/>
             <a:ext cx="978408" cy="484632"/>
           </a:xfrm>
           <a:prstGeom prst="rightArrow">
@@ -7153,7 +7145,7 @@
         </p:blipFill>
         <p:spPr>
           <a:xfrm>
-            <a:off x="6323937" y="23052831"/>
+            <a:off x="6212912" y="20838021"/>
             <a:ext cx="6806113" cy="4184499"/>
           </a:xfrm>
           <a:prstGeom prst="rect">
@@ -7169,7 +7161,7 @@
         </p:nvSpPr>
         <p:spPr>
           <a:xfrm>
-            <a:off x="5015059" y="24833193"/>
+            <a:off x="4976205" y="23547761"/>
             <a:ext cx="978408" cy="484632"/>
           </a:xfrm>
           <a:prstGeom prst="rightArrow">
@@ -7209,7 +7201,7 @@
         </p:nvSpPr>
         <p:spPr>
           <a:xfrm>
-            <a:off x="13222488" y="24833193"/>
+            <a:off x="13217318" y="23177158"/>
             <a:ext cx="978408" cy="484632"/>
           </a:xfrm>
           <a:prstGeom prst="rightArrow">
@@ -7263,8 +7255,8 @@
         </p:blipFill>
         <p:spPr>
           <a:xfrm>
-            <a:off x="14285641" y="21684081"/>
-            <a:ext cx="3522928" cy="3608074"/>
+            <a:off x="14195726" y="19963731"/>
+            <a:ext cx="3083163" cy="3157680"/>
           </a:xfrm>
           <a:prstGeom prst="rect">
             <a:avLst/>
@@ -7279,7 +7271,7 @@
         </p:nvSpPr>
         <p:spPr>
           <a:xfrm>
-            <a:off x="5557944" y="18141169"/>
+            <a:off x="6103854" y="17387089"/>
             <a:ext cx="3144154" cy="584775"/>
           </a:xfrm>
           <a:prstGeom prst="rect">
@@ -7317,7 +7309,7 @@
         </p:nvSpPr>
         <p:spPr>
           <a:xfrm>
-            <a:off x="384959" y="23072369"/>
+            <a:off x="392685" y="21950242"/>
             <a:ext cx="5795265" cy="584775"/>
           </a:xfrm>
           <a:prstGeom prst="rect">
@@ -7355,7 +7347,7 @@
         </p:nvSpPr>
         <p:spPr>
           <a:xfrm>
-            <a:off x="793792" y="25706168"/>
+            <a:off x="850507" y="24201300"/>
             <a:ext cx="4736128" cy="584775"/>
           </a:xfrm>
           <a:prstGeom prst="rect">
@@ -7393,7 +7385,7 @@
         </p:nvSpPr>
         <p:spPr>
           <a:xfrm>
-            <a:off x="6732960" y="27258033"/>
+            <a:off x="6985523" y="24987729"/>
             <a:ext cx="5484127" cy="584775"/>
           </a:xfrm>
           <a:prstGeom prst="rect">
@@ -7445,8 +7437,8 @@
         </p:blipFill>
         <p:spPr>
           <a:xfrm>
-            <a:off x="17539747" y="21256728"/>
-            <a:ext cx="3845611" cy="4061097"/>
+            <a:off x="17343506" y="19391442"/>
+            <a:ext cx="3532054" cy="3729970"/>
           </a:xfrm>
           <a:prstGeom prst="rect">
             <a:avLst/>
@@ -7475,8 +7467,8 @@
         </p:blipFill>
         <p:spPr>
           <a:xfrm>
-            <a:off x="14876161" y="25292155"/>
-            <a:ext cx="5075094" cy="3241320"/>
+            <a:off x="15239437" y="23114799"/>
+            <a:ext cx="4208137" cy="2687619"/>
           </a:xfrm>
           <a:prstGeom prst="rect">
             <a:avLst/>
@@ -7491,7 +7483,7 @@
         </p:nvSpPr>
         <p:spPr>
           <a:xfrm>
-            <a:off x="15362401" y="28663182"/>
+            <a:off x="15589944" y="25872912"/>
             <a:ext cx="5484127" cy="584775"/>
           </a:xfrm>
           <a:prstGeom prst="rect">
@@ -7522,6 +7514,222 @@
               <a:t>行者の行動を分析</a:t>
             </a:r>
             <a:endParaRPr kumimoji="1" lang="ja-JP" altLang="en-US" sz="3200" dirty="0">
+              <a:solidFill>
+                <a:schemeClr val="bg1"/>
+              </a:solidFill>
+            </a:endParaRPr>
+          </a:p>
+        </p:txBody>
+      </p:sp>
+      <p:sp>
+        <p:nvSpPr>
+          <p:cNvPr id="42" name="テキスト ボックス 41"/>
+          <p:cNvSpPr txBox="1"/>
+          <p:nvPr/>
+        </p:nvSpPr>
+        <p:spPr>
+          <a:xfrm>
+            <a:off x="436546" y="26336198"/>
+            <a:ext cx="5904656" cy="1015663"/>
+          </a:xfrm>
+          <a:prstGeom prst="rect">
+            <a:avLst/>
+          </a:prstGeom>
+          <a:noFill/>
+        </p:spPr>
+        <p:txBody>
+          <a:bodyPr wrap="square" rtlCol="0">
+            <a:spAutoFit/>
+          </a:bodyPr>
+          <a:lstStyle/>
+          <a:p>
+            <a:r>
+              <a:rPr kumimoji="1" lang="ja-JP" altLang="en-US" dirty="0" smtClean="0">
+                <a:solidFill>
+                  <a:schemeClr val="bg1"/>
+                </a:solidFill>
+              </a:rPr>
+              <a:t>現在の進歩状況</a:t>
+            </a:r>
+            <a:endParaRPr kumimoji="1" lang="ja-JP" altLang="en-US" dirty="0">
+              <a:solidFill>
+                <a:schemeClr val="bg1"/>
+              </a:solidFill>
+            </a:endParaRPr>
+          </a:p>
+        </p:txBody>
+      </p:sp>
+      <p:sp>
+        <p:nvSpPr>
+          <p:cNvPr id="43" name="テキスト ボックス 42"/>
+          <p:cNvSpPr txBox="1"/>
+          <p:nvPr/>
+        </p:nvSpPr>
+        <p:spPr>
+          <a:xfrm>
+            <a:off x="427761" y="27264158"/>
+            <a:ext cx="7817367" cy="2123658"/>
+          </a:xfrm>
+          <a:prstGeom prst="rect">
+            <a:avLst/>
+          </a:prstGeom>
+          <a:noFill/>
+        </p:spPr>
+        <p:txBody>
+          <a:bodyPr wrap="square" rtlCol="0">
+            <a:spAutoFit/>
+          </a:bodyPr>
+          <a:lstStyle/>
+          <a:p>
+            <a:pPr marL="571500" indent="-571500">
+              <a:buFont typeface="Arial" panose="020B0604020202020204" pitchFamily="34" charset="0"/>
+              <a:buChar char="•"/>
+            </a:pPr>
+            <a:r>
+              <a:rPr kumimoji="1" lang="ja-JP" altLang="en-US" sz="4400" dirty="0" smtClean="0">
+                <a:solidFill>
+                  <a:schemeClr val="bg1"/>
+                </a:solidFill>
+              </a:rPr>
+              <a:t>約</a:t>
+            </a:r>
+            <a:r>
+              <a:rPr kumimoji="1" lang="en-US" altLang="ja-JP" sz="4400" dirty="0" smtClean="0">
+                <a:solidFill>
+                  <a:schemeClr val="bg1"/>
+                </a:solidFill>
+              </a:rPr>
+              <a:t>5</a:t>
+            </a:r>
+            <a:r>
+              <a:rPr kumimoji="1" lang="ja-JP" altLang="en-US" sz="4400" dirty="0" smtClean="0">
+                <a:solidFill>
+                  <a:schemeClr val="bg1"/>
+                </a:solidFill>
+              </a:rPr>
+              <a:t>ヶ月分のデータを収集</a:t>
+            </a:r>
+            <a:endParaRPr kumimoji="1" lang="en-US" altLang="ja-JP" sz="4400" dirty="0" smtClean="0">
+              <a:solidFill>
+                <a:schemeClr val="bg1"/>
+              </a:solidFill>
+            </a:endParaRPr>
+          </a:p>
+          <a:p>
+            <a:pPr marL="571500" indent="-571500">
+              <a:buFont typeface="Arial" panose="020B0604020202020204" pitchFamily="34" charset="0"/>
+              <a:buChar char="•"/>
+            </a:pPr>
+            <a:r>
+              <a:rPr kumimoji="1" lang="ja-JP" altLang="en-US" sz="4400" dirty="0" smtClean="0">
+                <a:solidFill>
+                  <a:schemeClr val="bg1"/>
+                </a:solidFill>
+              </a:rPr>
+              <a:t>欲しい情報だけを自動的に集める方法を模索中</a:t>
+            </a:r>
+            <a:endParaRPr kumimoji="1" lang="ja-JP" altLang="en-US" sz="4400" dirty="0">
+              <a:solidFill>
+                <a:schemeClr val="bg1"/>
+              </a:solidFill>
+            </a:endParaRPr>
+          </a:p>
+        </p:txBody>
+      </p:sp>
+      <p:sp>
+        <p:nvSpPr>
+          <p:cNvPr id="44" name="テキスト ボックス 43"/>
+          <p:cNvSpPr txBox="1"/>
+          <p:nvPr/>
+        </p:nvSpPr>
+        <p:spPr>
+          <a:xfrm>
+            <a:off x="9615969" y="26336198"/>
+            <a:ext cx="4031873" cy="1015663"/>
+          </a:xfrm>
+          <a:prstGeom prst="rect">
+            <a:avLst/>
+          </a:prstGeom>
+          <a:noFill/>
+        </p:spPr>
+        <p:txBody>
+          <a:bodyPr wrap="none" rtlCol="0">
+            <a:spAutoFit/>
+          </a:bodyPr>
+          <a:lstStyle/>
+          <a:p>
+            <a:r>
+              <a:rPr kumimoji="1" lang="ja-JP" altLang="en-US" dirty="0" smtClean="0">
+                <a:solidFill>
+                  <a:schemeClr val="bg1"/>
+                </a:solidFill>
+              </a:rPr>
+              <a:t>今後の予定</a:t>
+            </a:r>
+            <a:endParaRPr kumimoji="1" lang="ja-JP" altLang="en-US" dirty="0">
+              <a:solidFill>
+                <a:schemeClr val="bg1"/>
+              </a:solidFill>
+            </a:endParaRPr>
+          </a:p>
+        </p:txBody>
+      </p:sp>
+      <p:sp>
+        <p:nvSpPr>
+          <p:cNvPr id="45" name="テキスト ボックス 44"/>
+          <p:cNvSpPr txBox="1"/>
+          <p:nvPr/>
+        </p:nvSpPr>
+        <p:spPr>
+          <a:xfrm>
+            <a:off x="8086956" y="27271119"/>
+            <a:ext cx="11247404" cy="1446550"/>
+          </a:xfrm>
+          <a:prstGeom prst="rect">
+            <a:avLst/>
+          </a:prstGeom>
+          <a:noFill/>
+        </p:spPr>
+        <p:txBody>
+          <a:bodyPr wrap="square" rtlCol="0">
+            <a:spAutoFit/>
+          </a:bodyPr>
+          <a:lstStyle/>
+          <a:p>
+            <a:pPr lvl="1"/>
+            <a:r>
+              <a:rPr lang="ja-JP" altLang="en-US" sz="4400" dirty="0" smtClean="0">
+                <a:solidFill>
+                  <a:schemeClr val="bg1"/>
+                </a:solidFill>
+              </a:rPr>
+              <a:t>引き続き</a:t>
+            </a:r>
+            <a:r>
+              <a:rPr lang="ja-JP" altLang="en-US" sz="4400" dirty="0">
+                <a:solidFill>
+                  <a:schemeClr val="bg1"/>
+                </a:solidFill>
+              </a:rPr>
+              <a:t>データを集めて資金調達の</a:t>
+            </a:r>
+            <a:r>
+              <a:rPr lang="ja-JP" altLang="en-US" sz="4400" dirty="0" smtClean="0">
+                <a:solidFill>
+                  <a:schemeClr val="bg1"/>
+                </a:solidFill>
+              </a:rPr>
+              <a:t>成功要因</a:t>
+            </a:r>
+            <a:r>
+              <a:rPr lang="ja-JP" altLang="en-US" sz="4400" dirty="0" smtClean="0">
+                <a:solidFill>
+                  <a:schemeClr val="bg1"/>
+                </a:solidFill>
+              </a:rPr>
+              <a:t>である行動を見つけ出す．</a:t>
+            </a:r>
+            <a:endParaRPr kumimoji="1" lang="ja-JP" altLang="en-US" sz="4400" dirty="0">
               <a:solidFill>
                 <a:schemeClr val="bg1"/>
               </a:solidFill>
